--- a/study/组会/2023-04-10/jt_report_2023_04_10.pptx
+++ b/study/组会/2023-04-10/jt_report_2023_04_10.pptx
@@ -5,16 +5,22 @@
     <p:sldMasterId id="2147483694" r:id="rId1"/>
   </p:sldMasterIdLst>
   <p:notesMasterIdLst>
-    <p:notesMasterId r:id="rId6"/>
+    <p:notesMasterId r:id="rId12"/>
   </p:notesMasterIdLst>
   <p:handoutMasterIdLst>
-    <p:handoutMasterId r:id="rId7"/>
+    <p:handoutMasterId r:id="rId13"/>
   </p:handoutMasterIdLst>
   <p:sldIdLst>
     <p:sldId id="295" r:id="rId2"/>
     <p:sldId id="296" r:id="rId3"/>
     <p:sldId id="297" r:id="rId4"/>
-    <p:sldId id="298" r:id="rId5"/>
+    <p:sldId id="300" r:id="rId5"/>
+    <p:sldId id="298" r:id="rId6"/>
+    <p:sldId id="301" r:id="rId7"/>
+    <p:sldId id="302" r:id="rId8"/>
+    <p:sldId id="303" r:id="rId9"/>
+    <p:sldId id="304" r:id="rId10"/>
+    <p:sldId id="305" r:id="rId11"/>
   </p:sldIdLst>
   <p:sldSz cx="12192000" cy="6858000"/>
   <p:notesSz cx="6858000" cy="9144000"/>
@@ -816,6 +822,121 @@
 </p:notes>
 </file>
 
+<file path=ppt/notesSlides/notesSlide10.xml><?xml version="1.0" encoding="utf-8"?>
+<p:notes xmlns:a="http://schemas.openxmlformats.org/drawingml/2006/main" xmlns:r="http://schemas.openxmlformats.org/officeDocument/2006/relationships" xmlns:p="http://schemas.openxmlformats.org/presentationml/2006/main">
+  <p:cSld>
+    <p:spTree>
+      <p:nvGrpSpPr>
+        <p:cNvPr id="1" name=""/>
+        <p:cNvGrpSpPr/>
+        <p:nvPr/>
+      </p:nvGrpSpPr>
+      <p:grpSpPr>
+        <a:xfrm>
+          <a:off x="0" y="0"/>
+          <a:ext cx="0" cy="0"/>
+          <a:chOff x="0" y="0"/>
+          <a:chExt cx="0" cy="0"/>
+        </a:xfrm>
+      </p:grpSpPr>
+      <p:sp>
+        <p:nvSpPr>
+          <p:cNvPr id="2" name="幻灯片图像占位符 1"/>
+          <p:cNvSpPr>
+            <a:spLocks noGrp="1" noRot="1" noChangeAspect="1"/>
+          </p:cNvSpPr>
+          <p:nvPr>
+            <p:ph type="sldImg"/>
+          </p:nvPr>
+        </p:nvSpPr>
+        <p:spPr/>
+      </p:sp>
+      <p:sp>
+        <p:nvSpPr>
+          <p:cNvPr id="3" name="备注占位符 2"/>
+          <p:cNvSpPr>
+            <a:spLocks noGrp="1"/>
+          </p:cNvSpPr>
+          <p:nvPr>
+            <p:ph type="body" idx="1"/>
+          </p:nvPr>
+        </p:nvSpPr>
+        <p:spPr/>
+        <p:txBody>
+          <a:bodyPr rtlCol="0"/>
+          <a:lstStyle/>
+          <a:p>
+            <a:pPr rtl="0"/>
+            <a:endParaRPr lang="en-US" dirty="0"/>
+          </a:p>
+        </p:txBody>
+      </p:sp>
+      <p:sp>
+        <p:nvSpPr>
+          <p:cNvPr id="4" name="幻灯片编号占位符 3"/>
+          <p:cNvSpPr>
+            <a:spLocks noGrp="1"/>
+          </p:cNvSpPr>
+          <p:nvPr>
+            <p:ph type="sldNum" sz="quarter" idx="10"/>
+          </p:nvPr>
+        </p:nvSpPr>
+        <p:spPr/>
+        <p:txBody>
+          <a:bodyPr rtlCol="0"/>
+          <a:lstStyle/>
+          <a:p>
+            <a:pPr rtl="0"/>
+            <a:fld id="{DB303FA8-A3F3-7640-B13D-36C73B3E5587}" type="slidenum">
+              <a:rPr lang="en-US" smtClean="0"/>
+              <a:t>10</a:t>
+            </a:fld>
+            <a:endParaRPr lang="en-US" dirty="0"/>
+          </a:p>
+        </p:txBody>
+      </p:sp>
+      <p:sp>
+        <p:nvSpPr>
+          <p:cNvPr id="5" name="日期占位符 4">
+            <a:extLst>
+              <a:ext uri="{FF2B5EF4-FFF2-40B4-BE49-F238E27FC236}">
+                <a16:creationId xmlns:a16="http://schemas.microsoft.com/office/drawing/2014/main" id="{B5D41475-C50A-48A9-80AB-0C1349B4636F}"/>
+              </a:ext>
+            </a:extLst>
+          </p:cNvPr>
+          <p:cNvSpPr>
+            <a:spLocks noGrp="1"/>
+          </p:cNvSpPr>
+          <p:nvPr>
+            <p:ph type="dt" idx="1"/>
+          </p:nvPr>
+        </p:nvSpPr>
+        <p:spPr/>
+        <p:txBody>
+          <a:bodyPr/>
+          <a:lstStyle/>
+          <a:p>
+            <a:fld id="{B5B18847-4CD3-49FE-BA07-350C86E2617A}" type="datetime1">
+              <a:rPr lang="zh-CN" altLang="en-US" smtClean="0"/>
+              <a:t>2023/4/10</a:t>
+            </a:fld>
+            <a:endParaRPr lang="en-US" dirty="0"/>
+          </a:p>
+        </p:txBody>
+      </p:sp>
+    </p:spTree>
+    <p:extLst>
+      <p:ext uri="{BB962C8B-B14F-4D97-AF65-F5344CB8AC3E}">
+        <p14:creationId xmlns:p14="http://schemas.microsoft.com/office/powerpoint/2010/main" val="2055270196"/>
+      </p:ext>
+    </p:extLst>
+  </p:cSld>
+  <p:clrMapOvr>
+    <a:masterClrMapping/>
+  </p:clrMapOvr>
+</p:notes>
+</file>
+
 <file path=ppt/notesSlides/notesSlide2.xml><?xml version="1.0" encoding="utf-8"?>
 <p:notes xmlns:a="http://schemas.openxmlformats.org/drawingml/2006/main" xmlns:r="http://schemas.openxmlformats.org/officeDocument/2006/relationships" xmlns:p="http://schemas.openxmlformats.org/presentationml/2006/main">
   <p:cSld>
@@ -1142,6 +1263,121 @@
           <a:p>
             <a:fld id="{B5B18847-4CD3-49FE-BA07-350C86E2617A}" type="datetime1">
               <a:rPr lang="zh-CN" altLang="en-US" smtClean="0"/>
+              <a:t>2023/4/10</a:t>
+            </a:fld>
+            <a:endParaRPr lang="en-US" dirty="0"/>
+          </a:p>
+        </p:txBody>
+      </p:sp>
+    </p:spTree>
+    <p:extLst>
+      <p:ext uri="{BB962C8B-B14F-4D97-AF65-F5344CB8AC3E}">
+        <p14:creationId xmlns:p14="http://schemas.microsoft.com/office/powerpoint/2010/main" val="1537433718"/>
+      </p:ext>
+    </p:extLst>
+  </p:cSld>
+  <p:clrMapOvr>
+    <a:masterClrMapping/>
+  </p:clrMapOvr>
+</p:notes>
+</file>
+
+<file path=ppt/notesSlides/notesSlide5.xml><?xml version="1.0" encoding="utf-8"?>
+<p:notes xmlns:a="http://schemas.openxmlformats.org/drawingml/2006/main" xmlns:r="http://schemas.openxmlformats.org/officeDocument/2006/relationships" xmlns:p="http://schemas.openxmlformats.org/presentationml/2006/main">
+  <p:cSld>
+    <p:spTree>
+      <p:nvGrpSpPr>
+        <p:cNvPr id="1" name=""/>
+        <p:cNvGrpSpPr/>
+        <p:nvPr/>
+      </p:nvGrpSpPr>
+      <p:grpSpPr>
+        <a:xfrm>
+          <a:off x="0" y="0"/>
+          <a:ext cx="0" cy="0"/>
+          <a:chOff x="0" y="0"/>
+          <a:chExt cx="0" cy="0"/>
+        </a:xfrm>
+      </p:grpSpPr>
+      <p:sp>
+        <p:nvSpPr>
+          <p:cNvPr id="2" name="幻灯片图像占位符 1"/>
+          <p:cNvSpPr>
+            <a:spLocks noGrp="1" noRot="1" noChangeAspect="1"/>
+          </p:cNvSpPr>
+          <p:nvPr>
+            <p:ph type="sldImg"/>
+          </p:nvPr>
+        </p:nvSpPr>
+        <p:spPr/>
+      </p:sp>
+      <p:sp>
+        <p:nvSpPr>
+          <p:cNvPr id="3" name="备注占位符 2"/>
+          <p:cNvSpPr>
+            <a:spLocks noGrp="1"/>
+          </p:cNvSpPr>
+          <p:nvPr>
+            <p:ph type="body" idx="1"/>
+          </p:nvPr>
+        </p:nvSpPr>
+        <p:spPr/>
+        <p:txBody>
+          <a:bodyPr rtlCol="0"/>
+          <a:lstStyle/>
+          <a:p>
+            <a:pPr rtl="0"/>
+            <a:endParaRPr lang="en-US" dirty="0"/>
+          </a:p>
+        </p:txBody>
+      </p:sp>
+      <p:sp>
+        <p:nvSpPr>
+          <p:cNvPr id="4" name="幻灯片编号占位符 3"/>
+          <p:cNvSpPr>
+            <a:spLocks noGrp="1"/>
+          </p:cNvSpPr>
+          <p:nvPr>
+            <p:ph type="sldNum" sz="quarter" idx="10"/>
+          </p:nvPr>
+        </p:nvSpPr>
+        <p:spPr/>
+        <p:txBody>
+          <a:bodyPr rtlCol="0"/>
+          <a:lstStyle/>
+          <a:p>
+            <a:pPr rtl="0"/>
+            <a:fld id="{DB303FA8-A3F3-7640-B13D-36C73B3E5587}" type="slidenum">
+              <a:rPr lang="en-US" smtClean="0"/>
+              <a:t>5</a:t>
+            </a:fld>
+            <a:endParaRPr lang="en-US" dirty="0"/>
+          </a:p>
+        </p:txBody>
+      </p:sp>
+      <p:sp>
+        <p:nvSpPr>
+          <p:cNvPr id="5" name="日期占位符 4">
+            <a:extLst>
+              <a:ext uri="{FF2B5EF4-FFF2-40B4-BE49-F238E27FC236}">
+                <a16:creationId xmlns:a16="http://schemas.microsoft.com/office/drawing/2014/main" id="{B5D41475-C50A-48A9-80AB-0C1349B4636F}"/>
+              </a:ext>
+            </a:extLst>
+          </p:cNvPr>
+          <p:cNvSpPr>
+            <a:spLocks noGrp="1"/>
+          </p:cNvSpPr>
+          <p:nvPr>
+            <p:ph type="dt" idx="1"/>
+          </p:nvPr>
+        </p:nvSpPr>
+        <p:spPr/>
+        <p:txBody>
+          <a:bodyPr/>
+          <a:lstStyle/>
+          <a:p>
+            <a:fld id="{B5B18847-4CD3-49FE-BA07-350C86E2617A}" type="datetime1">
+              <a:rPr lang="zh-CN" altLang="en-US" smtClean="0"/>
               <a:t>2023/4/9</a:t>
             </a:fld>
             <a:endParaRPr lang="en-US" dirty="0"/>
@@ -1152,6 +1388,466 @@
     <p:extLst>
       <p:ext uri="{BB962C8B-B14F-4D97-AF65-F5344CB8AC3E}">
         <p14:creationId xmlns:p14="http://schemas.microsoft.com/office/powerpoint/2010/main" val="3011738858"/>
+      </p:ext>
+    </p:extLst>
+  </p:cSld>
+  <p:clrMapOvr>
+    <a:masterClrMapping/>
+  </p:clrMapOvr>
+</p:notes>
+</file>
+
+<file path=ppt/notesSlides/notesSlide6.xml><?xml version="1.0" encoding="utf-8"?>
+<p:notes xmlns:a="http://schemas.openxmlformats.org/drawingml/2006/main" xmlns:r="http://schemas.openxmlformats.org/officeDocument/2006/relationships" xmlns:p="http://schemas.openxmlformats.org/presentationml/2006/main">
+  <p:cSld>
+    <p:spTree>
+      <p:nvGrpSpPr>
+        <p:cNvPr id="1" name=""/>
+        <p:cNvGrpSpPr/>
+        <p:nvPr/>
+      </p:nvGrpSpPr>
+      <p:grpSpPr>
+        <a:xfrm>
+          <a:off x="0" y="0"/>
+          <a:ext cx="0" cy="0"/>
+          <a:chOff x="0" y="0"/>
+          <a:chExt cx="0" cy="0"/>
+        </a:xfrm>
+      </p:grpSpPr>
+      <p:sp>
+        <p:nvSpPr>
+          <p:cNvPr id="2" name="幻灯片图像占位符 1"/>
+          <p:cNvSpPr>
+            <a:spLocks noGrp="1" noRot="1" noChangeAspect="1"/>
+          </p:cNvSpPr>
+          <p:nvPr>
+            <p:ph type="sldImg"/>
+          </p:nvPr>
+        </p:nvSpPr>
+        <p:spPr/>
+      </p:sp>
+      <p:sp>
+        <p:nvSpPr>
+          <p:cNvPr id="3" name="备注占位符 2"/>
+          <p:cNvSpPr>
+            <a:spLocks noGrp="1"/>
+          </p:cNvSpPr>
+          <p:nvPr>
+            <p:ph type="body" idx="1"/>
+          </p:nvPr>
+        </p:nvSpPr>
+        <p:spPr/>
+        <p:txBody>
+          <a:bodyPr rtlCol="0"/>
+          <a:lstStyle/>
+          <a:p>
+            <a:pPr rtl="0"/>
+            <a:endParaRPr lang="en-US" dirty="0"/>
+          </a:p>
+        </p:txBody>
+      </p:sp>
+      <p:sp>
+        <p:nvSpPr>
+          <p:cNvPr id="4" name="幻灯片编号占位符 3"/>
+          <p:cNvSpPr>
+            <a:spLocks noGrp="1"/>
+          </p:cNvSpPr>
+          <p:nvPr>
+            <p:ph type="sldNum" sz="quarter" idx="10"/>
+          </p:nvPr>
+        </p:nvSpPr>
+        <p:spPr/>
+        <p:txBody>
+          <a:bodyPr rtlCol="0"/>
+          <a:lstStyle/>
+          <a:p>
+            <a:pPr rtl="0"/>
+            <a:fld id="{DB303FA8-A3F3-7640-B13D-36C73B3E5587}" type="slidenum">
+              <a:rPr lang="en-US" smtClean="0"/>
+              <a:t>6</a:t>
+            </a:fld>
+            <a:endParaRPr lang="en-US" dirty="0"/>
+          </a:p>
+        </p:txBody>
+      </p:sp>
+      <p:sp>
+        <p:nvSpPr>
+          <p:cNvPr id="5" name="日期占位符 4">
+            <a:extLst>
+              <a:ext uri="{FF2B5EF4-FFF2-40B4-BE49-F238E27FC236}">
+                <a16:creationId xmlns:a16="http://schemas.microsoft.com/office/drawing/2014/main" id="{B5D41475-C50A-48A9-80AB-0C1349B4636F}"/>
+              </a:ext>
+            </a:extLst>
+          </p:cNvPr>
+          <p:cNvSpPr>
+            <a:spLocks noGrp="1"/>
+          </p:cNvSpPr>
+          <p:nvPr>
+            <p:ph type="dt" idx="1"/>
+          </p:nvPr>
+        </p:nvSpPr>
+        <p:spPr/>
+        <p:txBody>
+          <a:bodyPr/>
+          <a:lstStyle/>
+          <a:p>
+            <a:fld id="{B5B18847-4CD3-49FE-BA07-350C86E2617A}" type="datetime1">
+              <a:rPr lang="zh-CN" altLang="en-US" smtClean="0"/>
+              <a:t>2023/4/10</a:t>
+            </a:fld>
+            <a:endParaRPr lang="en-US" dirty="0"/>
+          </a:p>
+        </p:txBody>
+      </p:sp>
+    </p:spTree>
+    <p:extLst>
+      <p:ext uri="{BB962C8B-B14F-4D97-AF65-F5344CB8AC3E}">
+        <p14:creationId xmlns:p14="http://schemas.microsoft.com/office/powerpoint/2010/main" val="1606824257"/>
+      </p:ext>
+    </p:extLst>
+  </p:cSld>
+  <p:clrMapOvr>
+    <a:masterClrMapping/>
+  </p:clrMapOvr>
+</p:notes>
+</file>
+
+<file path=ppt/notesSlides/notesSlide7.xml><?xml version="1.0" encoding="utf-8"?>
+<p:notes xmlns:a="http://schemas.openxmlformats.org/drawingml/2006/main" xmlns:r="http://schemas.openxmlformats.org/officeDocument/2006/relationships" xmlns:p="http://schemas.openxmlformats.org/presentationml/2006/main">
+  <p:cSld>
+    <p:spTree>
+      <p:nvGrpSpPr>
+        <p:cNvPr id="1" name=""/>
+        <p:cNvGrpSpPr/>
+        <p:nvPr/>
+      </p:nvGrpSpPr>
+      <p:grpSpPr>
+        <a:xfrm>
+          <a:off x="0" y="0"/>
+          <a:ext cx="0" cy="0"/>
+          <a:chOff x="0" y="0"/>
+          <a:chExt cx="0" cy="0"/>
+        </a:xfrm>
+      </p:grpSpPr>
+      <p:sp>
+        <p:nvSpPr>
+          <p:cNvPr id="2" name="幻灯片图像占位符 1"/>
+          <p:cNvSpPr>
+            <a:spLocks noGrp="1" noRot="1" noChangeAspect="1"/>
+          </p:cNvSpPr>
+          <p:nvPr>
+            <p:ph type="sldImg"/>
+          </p:nvPr>
+        </p:nvSpPr>
+        <p:spPr/>
+      </p:sp>
+      <p:sp>
+        <p:nvSpPr>
+          <p:cNvPr id="3" name="备注占位符 2"/>
+          <p:cNvSpPr>
+            <a:spLocks noGrp="1"/>
+          </p:cNvSpPr>
+          <p:nvPr>
+            <p:ph type="body" idx="1"/>
+          </p:nvPr>
+        </p:nvSpPr>
+        <p:spPr/>
+        <p:txBody>
+          <a:bodyPr rtlCol="0"/>
+          <a:lstStyle/>
+          <a:p>
+            <a:pPr rtl="0"/>
+            <a:endParaRPr lang="en-US" dirty="0"/>
+          </a:p>
+        </p:txBody>
+      </p:sp>
+      <p:sp>
+        <p:nvSpPr>
+          <p:cNvPr id="4" name="幻灯片编号占位符 3"/>
+          <p:cNvSpPr>
+            <a:spLocks noGrp="1"/>
+          </p:cNvSpPr>
+          <p:nvPr>
+            <p:ph type="sldNum" sz="quarter" idx="10"/>
+          </p:nvPr>
+        </p:nvSpPr>
+        <p:spPr/>
+        <p:txBody>
+          <a:bodyPr rtlCol="0"/>
+          <a:lstStyle/>
+          <a:p>
+            <a:pPr rtl="0"/>
+            <a:fld id="{DB303FA8-A3F3-7640-B13D-36C73B3E5587}" type="slidenum">
+              <a:rPr lang="en-US" smtClean="0"/>
+              <a:t>7</a:t>
+            </a:fld>
+            <a:endParaRPr lang="en-US" dirty="0"/>
+          </a:p>
+        </p:txBody>
+      </p:sp>
+      <p:sp>
+        <p:nvSpPr>
+          <p:cNvPr id="5" name="日期占位符 4">
+            <a:extLst>
+              <a:ext uri="{FF2B5EF4-FFF2-40B4-BE49-F238E27FC236}">
+                <a16:creationId xmlns:a16="http://schemas.microsoft.com/office/drawing/2014/main" id="{B5D41475-C50A-48A9-80AB-0C1349B4636F}"/>
+              </a:ext>
+            </a:extLst>
+          </p:cNvPr>
+          <p:cNvSpPr>
+            <a:spLocks noGrp="1"/>
+          </p:cNvSpPr>
+          <p:nvPr>
+            <p:ph type="dt" idx="1"/>
+          </p:nvPr>
+        </p:nvSpPr>
+        <p:spPr/>
+        <p:txBody>
+          <a:bodyPr/>
+          <a:lstStyle/>
+          <a:p>
+            <a:fld id="{B5B18847-4CD3-49FE-BA07-350C86E2617A}" type="datetime1">
+              <a:rPr lang="zh-CN" altLang="en-US" smtClean="0"/>
+              <a:t>2023/4/10</a:t>
+            </a:fld>
+            <a:endParaRPr lang="en-US" dirty="0"/>
+          </a:p>
+        </p:txBody>
+      </p:sp>
+    </p:spTree>
+    <p:extLst>
+      <p:ext uri="{BB962C8B-B14F-4D97-AF65-F5344CB8AC3E}">
+        <p14:creationId xmlns:p14="http://schemas.microsoft.com/office/powerpoint/2010/main" val="1058995547"/>
+      </p:ext>
+    </p:extLst>
+  </p:cSld>
+  <p:clrMapOvr>
+    <a:masterClrMapping/>
+  </p:clrMapOvr>
+</p:notes>
+</file>
+
+<file path=ppt/notesSlides/notesSlide8.xml><?xml version="1.0" encoding="utf-8"?>
+<p:notes xmlns:a="http://schemas.openxmlformats.org/drawingml/2006/main" xmlns:r="http://schemas.openxmlformats.org/officeDocument/2006/relationships" xmlns:p="http://schemas.openxmlformats.org/presentationml/2006/main">
+  <p:cSld>
+    <p:spTree>
+      <p:nvGrpSpPr>
+        <p:cNvPr id="1" name=""/>
+        <p:cNvGrpSpPr/>
+        <p:nvPr/>
+      </p:nvGrpSpPr>
+      <p:grpSpPr>
+        <a:xfrm>
+          <a:off x="0" y="0"/>
+          <a:ext cx="0" cy="0"/>
+          <a:chOff x="0" y="0"/>
+          <a:chExt cx="0" cy="0"/>
+        </a:xfrm>
+      </p:grpSpPr>
+      <p:sp>
+        <p:nvSpPr>
+          <p:cNvPr id="2" name="幻灯片图像占位符 1"/>
+          <p:cNvSpPr>
+            <a:spLocks noGrp="1" noRot="1" noChangeAspect="1"/>
+          </p:cNvSpPr>
+          <p:nvPr>
+            <p:ph type="sldImg"/>
+          </p:nvPr>
+        </p:nvSpPr>
+        <p:spPr/>
+      </p:sp>
+      <p:sp>
+        <p:nvSpPr>
+          <p:cNvPr id="3" name="备注占位符 2"/>
+          <p:cNvSpPr>
+            <a:spLocks noGrp="1"/>
+          </p:cNvSpPr>
+          <p:nvPr>
+            <p:ph type="body" idx="1"/>
+          </p:nvPr>
+        </p:nvSpPr>
+        <p:spPr/>
+        <p:txBody>
+          <a:bodyPr rtlCol="0"/>
+          <a:lstStyle/>
+          <a:p>
+            <a:pPr rtl="0"/>
+            <a:endParaRPr lang="en-US" dirty="0"/>
+          </a:p>
+        </p:txBody>
+      </p:sp>
+      <p:sp>
+        <p:nvSpPr>
+          <p:cNvPr id="4" name="幻灯片编号占位符 3"/>
+          <p:cNvSpPr>
+            <a:spLocks noGrp="1"/>
+          </p:cNvSpPr>
+          <p:nvPr>
+            <p:ph type="sldNum" sz="quarter" idx="10"/>
+          </p:nvPr>
+        </p:nvSpPr>
+        <p:spPr/>
+        <p:txBody>
+          <a:bodyPr rtlCol="0"/>
+          <a:lstStyle/>
+          <a:p>
+            <a:pPr rtl="0"/>
+            <a:fld id="{DB303FA8-A3F3-7640-B13D-36C73B3E5587}" type="slidenum">
+              <a:rPr lang="en-US" smtClean="0"/>
+              <a:t>8</a:t>
+            </a:fld>
+            <a:endParaRPr lang="en-US" dirty="0"/>
+          </a:p>
+        </p:txBody>
+      </p:sp>
+      <p:sp>
+        <p:nvSpPr>
+          <p:cNvPr id="5" name="日期占位符 4">
+            <a:extLst>
+              <a:ext uri="{FF2B5EF4-FFF2-40B4-BE49-F238E27FC236}">
+                <a16:creationId xmlns:a16="http://schemas.microsoft.com/office/drawing/2014/main" id="{B5D41475-C50A-48A9-80AB-0C1349B4636F}"/>
+              </a:ext>
+            </a:extLst>
+          </p:cNvPr>
+          <p:cNvSpPr>
+            <a:spLocks noGrp="1"/>
+          </p:cNvSpPr>
+          <p:nvPr>
+            <p:ph type="dt" idx="1"/>
+          </p:nvPr>
+        </p:nvSpPr>
+        <p:spPr/>
+        <p:txBody>
+          <a:bodyPr/>
+          <a:lstStyle/>
+          <a:p>
+            <a:fld id="{B5B18847-4CD3-49FE-BA07-350C86E2617A}" type="datetime1">
+              <a:rPr lang="zh-CN" altLang="en-US" smtClean="0"/>
+              <a:t>2023/4/10</a:t>
+            </a:fld>
+            <a:endParaRPr lang="en-US" dirty="0"/>
+          </a:p>
+        </p:txBody>
+      </p:sp>
+    </p:spTree>
+    <p:extLst>
+      <p:ext uri="{BB962C8B-B14F-4D97-AF65-F5344CB8AC3E}">
+        <p14:creationId xmlns:p14="http://schemas.microsoft.com/office/powerpoint/2010/main" val="3912171442"/>
+      </p:ext>
+    </p:extLst>
+  </p:cSld>
+  <p:clrMapOvr>
+    <a:masterClrMapping/>
+  </p:clrMapOvr>
+</p:notes>
+</file>
+
+<file path=ppt/notesSlides/notesSlide9.xml><?xml version="1.0" encoding="utf-8"?>
+<p:notes xmlns:a="http://schemas.openxmlformats.org/drawingml/2006/main" xmlns:r="http://schemas.openxmlformats.org/officeDocument/2006/relationships" xmlns:p="http://schemas.openxmlformats.org/presentationml/2006/main">
+  <p:cSld>
+    <p:spTree>
+      <p:nvGrpSpPr>
+        <p:cNvPr id="1" name=""/>
+        <p:cNvGrpSpPr/>
+        <p:nvPr/>
+      </p:nvGrpSpPr>
+      <p:grpSpPr>
+        <a:xfrm>
+          <a:off x="0" y="0"/>
+          <a:ext cx="0" cy="0"/>
+          <a:chOff x="0" y="0"/>
+          <a:chExt cx="0" cy="0"/>
+        </a:xfrm>
+      </p:grpSpPr>
+      <p:sp>
+        <p:nvSpPr>
+          <p:cNvPr id="2" name="幻灯片图像占位符 1"/>
+          <p:cNvSpPr>
+            <a:spLocks noGrp="1" noRot="1" noChangeAspect="1"/>
+          </p:cNvSpPr>
+          <p:nvPr>
+            <p:ph type="sldImg"/>
+          </p:nvPr>
+        </p:nvSpPr>
+        <p:spPr/>
+      </p:sp>
+      <p:sp>
+        <p:nvSpPr>
+          <p:cNvPr id="3" name="备注占位符 2"/>
+          <p:cNvSpPr>
+            <a:spLocks noGrp="1"/>
+          </p:cNvSpPr>
+          <p:nvPr>
+            <p:ph type="body" idx="1"/>
+          </p:nvPr>
+        </p:nvSpPr>
+        <p:spPr/>
+        <p:txBody>
+          <a:bodyPr rtlCol="0"/>
+          <a:lstStyle/>
+          <a:p>
+            <a:pPr rtl="0"/>
+            <a:endParaRPr lang="en-US" dirty="0"/>
+          </a:p>
+        </p:txBody>
+      </p:sp>
+      <p:sp>
+        <p:nvSpPr>
+          <p:cNvPr id="4" name="幻灯片编号占位符 3"/>
+          <p:cNvSpPr>
+            <a:spLocks noGrp="1"/>
+          </p:cNvSpPr>
+          <p:nvPr>
+            <p:ph type="sldNum" sz="quarter" idx="10"/>
+          </p:nvPr>
+        </p:nvSpPr>
+        <p:spPr/>
+        <p:txBody>
+          <a:bodyPr rtlCol="0"/>
+          <a:lstStyle/>
+          <a:p>
+            <a:pPr rtl="0"/>
+            <a:fld id="{DB303FA8-A3F3-7640-B13D-36C73B3E5587}" type="slidenum">
+              <a:rPr lang="en-US" smtClean="0"/>
+              <a:t>9</a:t>
+            </a:fld>
+            <a:endParaRPr lang="en-US" dirty="0"/>
+          </a:p>
+        </p:txBody>
+      </p:sp>
+      <p:sp>
+        <p:nvSpPr>
+          <p:cNvPr id="5" name="日期占位符 4">
+            <a:extLst>
+              <a:ext uri="{FF2B5EF4-FFF2-40B4-BE49-F238E27FC236}">
+                <a16:creationId xmlns:a16="http://schemas.microsoft.com/office/drawing/2014/main" id="{B5D41475-C50A-48A9-80AB-0C1349B4636F}"/>
+              </a:ext>
+            </a:extLst>
+          </p:cNvPr>
+          <p:cNvSpPr>
+            <a:spLocks noGrp="1"/>
+          </p:cNvSpPr>
+          <p:nvPr>
+            <p:ph type="dt" idx="1"/>
+          </p:nvPr>
+        </p:nvSpPr>
+        <p:spPr/>
+        <p:txBody>
+          <a:bodyPr/>
+          <a:lstStyle/>
+          <a:p>
+            <a:fld id="{B5B18847-4CD3-49FE-BA07-350C86E2617A}" type="datetime1">
+              <a:rPr lang="zh-CN" altLang="en-US" smtClean="0"/>
+              <a:t>2023/4/10</a:t>
+            </a:fld>
+            <a:endParaRPr lang="en-US" dirty="0"/>
+          </a:p>
+        </p:txBody>
+      </p:sp>
+    </p:spTree>
+    <p:extLst>
+      <p:ext uri="{BB962C8B-B14F-4D97-AF65-F5344CB8AC3E}">
+        <p14:creationId xmlns:p14="http://schemas.microsoft.com/office/powerpoint/2010/main" val="2409777832"/>
       </p:ext>
     </p:extLst>
   </p:cSld>
@@ -4882,6 +5578,101 @@
 </p:sld>
 </file>
 
+<file path=ppt/slides/slide10.xml><?xml version="1.0" encoding="utf-8"?>
+<p:sld xmlns:a="http://schemas.openxmlformats.org/drawingml/2006/main" xmlns:r="http://schemas.openxmlformats.org/officeDocument/2006/relationships" xmlns:p="http://schemas.openxmlformats.org/presentationml/2006/main">
+  <p:cSld>
+    <p:spTree>
+      <p:nvGrpSpPr>
+        <p:cNvPr id="1" name=""/>
+        <p:cNvGrpSpPr/>
+        <p:nvPr/>
+      </p:nvGrpSpPr>
+      <p:grpSpPr>
+        <a:xfrm>
+          <a:off x="0" y="0"/>
+          <a:ext cx="0" cy="0"/>
+          <a:chOff x="0" y="0"/>
+          <a:chExt cx="0" cy="0"/>
+        </a:xfrm>
+      </p:grpSpPr>
+      <p:sp>
+        <p:nvSpPr>
+          <p:cNvPr id="21" name="标题 20">
+            <a:extLst>
+              <a:ext uri="{FF2B5EF4-FFF2-40B4-BE49-F238E27FC236}">
+                <a16:creationId xmlns:a16="http://schemas.microsoft.com/office/drawing/2014/main" id="{2627AE97-340B-E245-B9C6-A4E8743E1340}"/>
+              </a:ext>
+            </a:extLst>
+          </p:cNvPr>
+          <p:cNvSpPr>
+            <a:spLocks noGrp="1"/>
+          </p:cNvSpPr>
+          <p:nvPr>
+            <p:ph type="title"/>
+          </p:nvPr>
+        </p:nvSpPr>
+        <p:spPr>
+          <a:xfrm>
+            <a:off x="830269" y="131399"/>
+            <a:ext cx="10523531" cy="583800"/>
+          </a:xfrm>
+        </p:spPr>
+        <p:txBody>
+          <a:bodyPr rtlCol="0"/>
+          <a:lstStyle/>
+          <a:p>
+            <a:pPr rtl="0"/>
+            <a:r>
+              <a:rPr lang="en-US" altLang="zh-CN" dirty="0"/>
+              <a:t>Result</a:t>
+            </a:r>
+            <a:endParaRPr lang="zh-cn" dirty="0"/>
+          </a:p>
+        </p:txBody>
+      </p:sp>
+      <p:pic>
+        <p:nvPicPr>
+          <p:cNvPr id="3" name="图片 2">
+            <a:extLst>
+              <a:ext uri="{FF2B5EF4-FFF2-40B4-BE49-F238E27FC236}">
+                <a16:creationId xmlns:a16="http://schemas.microsoft.com/office/drawing/2014/main" id="{75DBBDD7-0792-E7F1-F222-46951979E855}"/>
+              </a:ext>
+            </a:extLst>
+          </p:cNvPr>
+          <p:cNvPicPr>
+            <a:picLocks noChangeAspect="1"/>
+          </p:cNvPicPr>
+          <p:nvPr/>
+        </p:nvPicPr>
+        <p:blipFill>
+          <a:blip r:embed="rId3"/>
+          <a:stretch>
+            <a:fillRect/>
+          </a:stretch>
+        </p:blipFill>
+        <p:spPr>
+          <a:xfrm>
+            <a:off x="2811495" y="1375973"/>
+            <a:ext cx="6569009" cy="4945809"/>
+          </a:xfrm>
+          <a:prstGeom prst="rect">
+            <a:avLst/>
+          </a:prstGeom>
+        </p:spPr>
+      </p:pic>
+    </p:spTree>
+    <p:extLst>
+      <p:ext uri="{BB962C8B-B14F-4D97-AF65-F5344CB8AC3E}">
+        <p14:creationId xmlns:p14="http://schemas.microsoft.com/office/powerpoint/2010/main" val="3919413278"/>
+      </p:ext>
+    </p:extLst>
+  </p:cSld>
+  <p:clrMapOvr>
+    <a:masterClrMapping/>
+  </p:clrMapOvr>
+</p:sld>
+</file>
+
 <file path=ppt/slides/slide2.xml><?xml version="1.0" encoding="utf-8"?>
 <p:sld xmlns:a="http://schemas.openxmlformats.org/drawingml/2006/main" xmlns:r="http://schemas.openxmlformats.org/officeDocument/2006/relationships" xmlns:p="http://schemas.openxmlformats.org/presentationml/2006/main">
   <p:cSld>
@@ -5081,7 +5872,7 @@
         </p:blipFill>
         <p:spPr>
           <a:xfrm>
-            <a:off x="2396796" y="1321413"/>
+            <a:off x="2396796" y="1062333"/>
             <a:ext cx="7390476" cy="4733333"/>
           </a:xfrm>
           <a:prstGeom prst="rect">
@@ -5154,10 +5945,1090 @@
           </a:p>
         </p:txBody>
       </p:sp>
+      <p:pic>
+        <p:nvPicPr>
+          <p:cNvPr id="7" name="图片 6">
+            <a:extLst>
+              <a:ext uri="{FF2B5EF4-FFF2-40B4-BE49-F238E27FC236}">
+                <a16:creationId xmlns:a16="http://schemas.microsoft.com/office/drawing/2014/main" id="{8CB34A57-C1D6-E689-5015-B858EE37D5B2}"/>
+              </a:ext>
+            </a:extLst>
+          </p:cNvPr>
+          <p:cNvPicPr>
+            <a:picLocks noChangeAspect="1"/>
+          </p:cNvPicPr>
+          <p:nvPr/>
+        </p:nvPicPr>
+        <p:blipFill>
+          <a:blip r:embed="rId3"/>
+          <a:stretch>
+            <a:fillRect/>
+          </a:stretch>
+        </p:blipFill>
+        <p:spPr>
+          <a:xfrm>
+            <a:off x="2430306" y="1637004"/>
+            <a:ext cx="7323455" cy="2491956"/>
+          </a:xfrm>
+          <a:prstGeom prst="rect">
+            <a:avLst/>
+          </a:prstGeom>
+        </p:spPr>
+      </p:pic>
+      <p:sp>
+        <p:nvSpPr>
+          <p:cNvPr id="2" name="文本框 1">
+            <a:extLst>
+              <a:ext uri="{FF2B5EF4-FFF2-40B4-BE49-F238E27FC236}">
+                <a16:creationId xmlns:a16="http://schemas.microsoft.com/office/drawing/2014/main" id="{7560499B-F535-196A-8E47-EA70B6CDDDDA}"/>
+              </a:ext>
+            </a:extLst>
+          </p:cNvPr>
+          <p:cNvSpPr txBox="1"/>
+          <p:nvPr/>
+        </p:nvSpPr>
+        <p:spPr>
+          <a:xfrm flipH="1">
+            <a:off x="1967825" y="4702629"/>
+            <a:ext cx="8256350" cy="646331"/>
+          </a:xfrm>
+          <a:prstGeom prst="rect">
+            <a:avLst/>
+          </a:prstGeom>
+          <a:noFill/>
+        </p:spPr>
+        <p:txBody>
+          <a:bodyPr wrap="square" rtlCol="0">
+            <a:spAutoFit/>
+          </a:bodyPr>
+          <a:lstStyle/>
+          <a:p>
+            <a:r>
+              <a:rPr lang="zh-CN" altLang="en-US" dirty="0">
+                <a:solidFill>
+                  <a:schemeClr val="bg1"/>
+                </a:solidFill>
+                <a:latin typeface="+mj-lt"/>
+              </a:rPr>
+              <a:t>黑色虚线表示</a:t>
+            </a:r>
+            <a:r>
+              <a:rPr lang="en-US" altLang="zh-CN" dirty="0" err="1">
+                <a:solidFill>
+                  <a:schemeClr val="bg1"/>
+                </a:solidFill>
+                <a:latin typeface="+mj-lt"/>
+              </a:rPr>
+              <a:t>Pdata</a:t>
+            </a:r>
+            <a:r>
+              <a:rPr lang="zh-CN" altLang="en-US" dirty="0">
+                <a:solidFill>
+                  <a:schemeClr val="bg1"/>
+                </a:solidFill>
+                <a:latin typeface="+mj-lt"/>
+              </a:rPr>
+              <a:t>真实分布</a:t>
+            </a:r>
+            <a:r>
+              <a:rPr lang="en-US" altLang="zh-CN" dirty="0">
+                <a:solidFill>
+                  <a:schemeClr val="bg1"/>
+                </a:solidFill>
+                <a:latin typeface="+mj-lt"/>
+              </a:rPr>
+              <a:t>, z</a:t>
+            </a:r>
+            <a:r>
+              <a:rPr lang="zh-CN" altLang="en-US" dirty="0">
+                <a:solidFill>
+                  <a:schemeClr val="bg1"/>
+                </a:solidFill>
+                <a:latin typeface="+mj-lt"/>
+              </a:rPr>
+              <a:t>表示随机噪音</a:t>
+            </a:r>
+            <a:r>
+              <a:rPr lang="en-US" altLang="zh-CN" dirty="0">
+                <a:solidFill>
+                  <a:schemeClr val="bg1"/>
+                </a:solidFill>
+                <a:latin typeface="+mj-lt"/>
+              </a:rPr>
+              <a:t>,</a:t>
+            </a:r>
+            <a:r>
+              <a:rPr lang="zh-CN" altLang="en-US" dirty="0">
+                <a:solidFill>
+                  <a:schemeClr val="bg1"/>
+                </a:solidFill>
+                <a:latin typeface="+mj-lt"/>
+              </a:rPr>
+              <a:t>绿色实线表示</a:t>
+            </a:r>
+            <a:r>
+              <a:rPr lang="en-US" altLang="zh-CN" dirty="0">
+                <a:solidFill>
+                  <a:schemeClr val="bg1"/>
+                </a:solidFill>
+                <a:latin typeface="+mj-lt"/>
+              </a:rPr>
+              <a:t>z</a:t>
+            </a:r>
+            <a:r>
+              <a:rPr lang="zh-CN" altLang="en-US" dirty="0">
+                <a:solidFill>
+                  <a:schemeClr val="bg1"/>
+                </a:solidFill>
+                <a:latin typeface="+mj-lt"/>
+              </a:rPr>
+              <a:t>在</a:t>
+            </a:r>
+            <a:r>
+              <a:rPr lang="en-US" altLang="zh-CN" dirty="0">
+                <a:solidFill>
+                  <a:schemeClr val="bg1"/>
+                </a:solidFill>
+                <a:latin typeface="+mj-lt"/>
+              </a:rPr>
+              <a:t>Pg</a:t>
+            </a:r>
+            <a:r>
+              <a:rPr lang="zh-CN" altLang="en-US" dirty="0">
+                <a:solidFill>
+                  <a:schemeClr val="bg1"/>
+                </a:solidFill>
+                <a:latin typeface="+mj-lt"/>
+              </a:rPr>
+              <a:t>映射后的分布</a:t>
+            </a:r>
+            <a:r>
+              <a:rPr lang="en-US" altLang="zh-CN" dirty="0">
+                <a:solidFill>
+                  <a:schemeClr val="bg1"/>
+                </a:solidFill>
+                <a:latin typeface="+mj-lt"/>
+              </a:rPr>
+              <a:t>,</a:t>
+            </a:r>
+            <a:r>
+              <a:rPr lang="zh-CN" altLang="en-US" dirty="0">
+                <a:solidFill>
+                  <a:schemeClr val="bg1"/>
+                </a:solidFill>
+                <a:latin typeface="+mj-lt"/>
+              </a:rPr>
+              <a:t>蓝色虚线表示判别器对</a:t>
+            </a:r>
+            <a:r>
+              <a:rPr lang="en-US" altLang="zh-CN" dirty="0" err="1">
+                <a:solidFill>
+                  <a:schemeClr val="bg1"/>
+                </a:solidFill>
+                <a:latin typeface="+mj-lt"/>
+              </a:rPr>
+              <a:t>pg</a:t>
+            </a:r>
+            <a:r>
+              <a:rPr lang="en-US" altLang="zh-CN" dirty="0">
+                <a:solidFill>
+                  <a:schemeClr val="bg1"/>
+                </a:solidFill>
+                <a:latin typeface="+mj-lt"/>
+              </a:rPr>
+              <a:t>(z)</a:t>
+            </a:r>
+            <a:r>
+              <a:rPr lang="zh-CN" altLang="en-US" dirty="0">
+                <a:solidFill>
+                  <a:schemeClr val="bg1"/>
+                </a:solidFill>
+                <a:latin typeface="+mj-lt"/>
+              </a:rPr>
+              <a:t>判别结果的分布</a:t>
+            </a:r>
+          </a:p>
+        </p:txBody>
+      </p:sp>
+    </p:spTree>
+    <p:extLst>
+      <p:ext uri="{BB962C8B-B14F-4D97-AF65-F5344CB8AC3E}">
+        <p14:creationId xmlns:p14="http://schemas.microsoft.com/office/powerpoint/2010/main" val="2790122502"/>
+      </p:ext>
+    </p:extLst>
+  </p:cSld>
+  <p:clrMapOvr>
+    <a:masterClrMapping/>
+  </p:clrMapOvr>
+</p:sld>
+</file>
+
+<file path=ppt/slides/slide5.xml><?xml version="1.0" encoding="utf-8"?>
+<p:sld xmlns:a="http://schemas.openxmlformats.org/drawingml/2006/main" xmlns:r="http://schemas.openxmlformats.org/officeDocument/2006/relationships" xmlns:p="http://schemas.openxmlformats.org/presentationml/2006/main">
+  <p:cSld>
+    <p:spTree>
+      <p:nvGrpSpPr>
+        <p:cNvPr id="1" name=""/>
+        <p:cNvGrpSpPr/>
+        <p:nvPr/>
+      </p:nvGrpSpPr>
+      <p:grpSpPr>
+        <a:xfrm>
+          <a:off x="0" y="0"/>
+          <a:ext cx="0" cy="0"/>
+          <a:chOff x="0" y="0"/>
+          <a:chExt cx="0" cy="0"/>
+        </a:xfrm>
+      </p:grpSpPr>
+      <p:sp>
+        <p:nvSpPr>
+          <p:cNvPr id="21" name="标题 20">
+            <a:extLst>
+              <a:ext uri="{FF2B5EF4-FFF2-40B4-BE49-F238E27FC236}">
+                <a16:creationId xmlns:a16="http://schemas.microsoft.com/office/drawing/2014/main" id="{2627AE97-340B-E245-B9C6-A4E8743E1340}"/>
+              </a:ext>
+            </a:extLst>
+          </p:cNvPr>
+          <p:cNvSpPr>
+            <a:spLocks noGrp="1"/>
+          </p:cNvSpPr>
+          <p:nvPr>
+            <p:ph type="title"/>
+          </p:nvPr>
+        </p:nvSpPr>
+        <p:spPr>
+          <a:xfrm>
+            <a:off x="830269" y="131399"/>
+            <a:ext cx="10523531" cy="583800"/>
+          </a:xfrm>
+        </p:spPr>
+        <p:txBody>
+          <a:bodyPr rtlCol="0"/>
+          <a:lstStyle/>
+          <a:p>
+            <a:pPr rtl="0"/>
+            <a:r>
+              <a:rPr lang="en-US" altLang="zh-CN" dirty="0"/>
+              <a:t>GAN</a:t>
+            </a:r>
+            <a:endParaRPr lang="zh-cn" dirty="0"/>
+          </a:p>
+        </p:txBody>
+      </p:sp>
+      <p:pic>
+        <p:nvPicPr>
+          <p:cNvPr id="3" name="图片 2">
+            <a:extLst>
+              <a:ext uri="{FF2B5EF4-FFF2-40B4-BE49-F238E27FC236}">
+                <a16:creationId xmlns:a16="http://schemas.microsoft.com/office/drawing/2014/main" id="{010BAB40-6D9E-2690-EA3E-74C1AE73A2B3}"/>
+              </a:ext>
+            </a:extLst>
+          </p:cNvPr>
+          <p:cNvPicPr>
+            <a:picLocks noChangeAspect="1"/>
+          </p:cNvPicPr>
+          <p:nvPr/>
+        </p:nvPicPr>
+        <p:blipFill>
+          <a:blip r:embed="rId3"/>
+          <a:stretch>
+            <a:fillRect/>
+          </a:stretch>
+        </p:blipFill>
+        <p:spPr>
+          <a:xfrm>
+            <a:off x="2186444" y="2823157"/>
+            <a:ext cx="7811177" cy="1211685"/>
+          </a:xfrm>
+          <a:prstGeom prst="rect">
+            <a:avLst/>
+          </a:prstGeom>
+        </p:spPr>
+      </p:pic>
+      <p:pic>
+        <p:nvPicPr>
+          <p:cNvPr id="10" name="图片 9">
+            <a:extLst>
+              <a:ext uri="{FF2B5EF4-FFF2-40B4-BE49-F238E27FC236}">
+                <a16:creationId xmlns:a16="http://schemas.microsoft.com/office/drawing/2014/main" id="{8089376E-F352-2E89-B5EA-C4422BB31290}"/>
+              </a:ext>
+            </a:extLst>
+          </p:cNvPr>
+          <p:cNvPicPr>
+            <a:picLocks noChangeAspect="1"/>
+          </p:cNvPicPr>
+          <p:nvPr/>
+        </p:nvPicPr>
+        <p:blipFill>
+          <a:blip r:embed="rId4"/>
+          <a:stretch>
+            <a:fillRect/>
+          </a:stretch>
+        </p:blipFill>
+        <p:spPr>
+          <a:xfrm>
+            <a:off x="2472376" y="1768353"/>
+            <a:ext cx="7247248" cy="708721"/>
+          </a:xfrm>
+          <a:prstGeom prst="rect">
+            <a:avLst/>
+          </a:prstGeom>
+        </p:spPr>
+      </p:pic>
+      <p:pic>
+        <p:nvPicPr>
+          <p:cNvPr id="12" name="图片 11">
+            <a:extLst>
+              <a:ext uri="{FF2B5EF4-FFF2-40B4-BE49-F238E27FC236}">
+                <a16:creationId xmlns:a16="http://schemas.microsoft.com/office/drawing/2014/main" id="{EB6B43A3-E521-80BD-E568-5795E06567AF}"/>
+              </a:ext>
+            </a:extLst>
+          </p:cNvPr>
+          <p:cNvPicPr>
+            <a:picLocks noChangeAspect="1"/>
+          </p:cNvPicPr>
+          <p:nvPr/>
+        </p:nvPicPr>
+        <p:blipFill>
+          <a:blip r:embed="rId5"/>
+          <a:stretch>
+            <a:fillRect/>
+          </a:stretch>
+        </p:blipFill>
+        <p:spPr>
+          <a:xfrm>
+            <a:off x="2674323" y="4466220"/>
+            <a:ext cx="6843353" cy="762066"/>
+          </a:xfrm>
+          <a:prstGeom prst="rect">
+            <a:avLst/>
+          </a:prstGeom>
+        </p:spPr>
+      </p:pic>
+      <p:pic>
+        <p:nvPicPr>
+          <p:cNvPr id="14" name="图片 13">
+            <a:extLst>
+              <a:ext uri="{FF2B5EF4-FFF2-40B4-BE49-F238E27FC236}">
+                <a16:creationId xmlns:a16="http://schemas.microsoft.com/office/drawing/2014/main" id="{E44094E8-C8AE-D355-C0F1-18722865D266}"/>
+              </a:ext>
+            </a:extLst>
+          </p:cNvPr>
+          <p:cNvPicPr>
+            <a:picLocks noChangeAspect="1"/>
+          </p:cNvPicPr>
+          <p:nvPr/>
+        </p:nvPicPr>
+        <p:blipFill>
+          <a:blip r:embed="rId6"/>
+          <a:stretch>
+            <a:fillRect/>
+          </a:stretch>
+        </p:blipFill>
+        <p:spPr>
+          <a:xfrm>
+            <a:off x="3272387" y="5558682"/>
+            <a:ext cx="5639289" cy="685859"/>
+          </a:xfrm>
+          <a:prstGeom prst="rect">
+            <a:avLst/>
+          </a:prstGeom>
+        </p:spPr>
+      </p:pic>
     </p:spTree>
     <p:extLst>
       <p:ext uri="{BB962C8B-B14F-4D97-AF65-F5344CB8AC3E}">
         <p14:creationId xmlns:p14="http://schemas.microsoft.com/office/powerpoint/2010/main" val="1739475703"/>
+      </p:ext>
+    </p:extLst>
+  </p:cSld>
+  <p:clrMapOvr>
+    <a:masterClrMapping/>
+  </p:clrMapOvr>
+</p:sld>
+</file>
+
+<file path=ppt/slides/slide6.xml><?xml version="1.0" encoding="utf-8"?>
+<p:sld xmlns:a="http://schemas.openxmlformats.org/drawingml/2006/main" xmlns:r="http://schemas.openxmlformats.org/officeDocument/2006/relationships" xmlns:p="http://schemas.openxmlformats.org/presentationml/2006/main">
+  <p:cSld>
+    <p:spTree>
+      <p:nvGrpSpPr>
+        <p:cNvPr id="1" name=""/>
+        <p:cNvGrpSpPr/>
+        <p:nvPr/>
+      </p:nvGrpSpPr>
+      <p:grpSpPr>
+        <a:xfrm>
+          <a:off x="0" y="0"/>
+          <a:ext cx="0" cy="0"/>
+          <a:chOff x="0" y="0"/>
+          <a:chExt cx="0" cy="0"/>
+        </a:xfrm>
+      </p:grpSpPr>
+      <p:sp>
+        <p:nvSpPr>
+          <p:cNvPr id="21" name="标题 20">
+            <a:extLst>
+              <a:ext uri="{FF2B5EF4-FFF2-40B4-BE49-F238E27FC236}">
+                <a16:creationId xmlns:a16="http://schemas.microsoft.com/office/drawing/2014/main" id="{2627AE97-340B-E245-B9C6-A4E8743E1340}"/>
+              </a:ext>
+            </a:extLst>
+          </p:cNvPr>
+          <p:cNvSpPr>
+            <a:spLocks noGrp="1"/>
+          </p:cNvSpPr>
+          <p:nvPr>
+            <p:ph type="title"/>
+          </p:nvPr>
+        </p:nvSpPr>
+        <p:spPr>
+          <a:xfrm>
+            <a:off x="830269" y="131399"/>
+            <a:ext cx="10523531" cy="583800"/>
+          </a:xfrm>
+        </p:spPr>
+        <p:txBody>
+          <a:bodyPr rtlCol="0"/>
+          <a:lstStyle/>
+          <a:p>
+            <a:pPr rtl="0"/>
+            <a:r>
+              <a:rPr lang="en-US" altLang="zh-CN" dirty="0"/>
+              <a:t>Wasserstein-GAN</a:t>
+            </a:r>
+            <a:endParaRPr lang="zh-cn" dirty="0"/>
+          </a:p>
+        </p:txBody>
+      </p:sp>
+      <p:pic>
+        <p:nvPicPr>
+          <p:cNvPr id="4" name="图片 3">
+            <a:extLst>
+              <a:ext uri="{FF2B5EF4-FFF2-40B4-BE49-F238E27FC236}">
+                <a16:creationId xmlns:a16="http://schemas.microsoft.com/office/drawing/2014/main" id="{B6D7BCBF-DA37-E121-D040-76C8844E40CD}"/>
+              </a:ext>
+            </a:extLst>
+          </p:cNvPr>
+          <p:cNvPicPr>
+            <a:picLocks noChangeAspect="1"/>
+          </p:cNvPicPr>
+          <p:nvPr/>
+        </p:nvPicPr>
+        <p:blipFill>
+          <a:blip r:embed="rId3"/>
+          <a:stretch>
+            <a:fillRect/>
+          </a:stretch>
+        </p:blipFill>
+        <p:spPr>
+          <a:xfrm>
+            <a:off x="3218049" y="1252490"/>
+            <a:ext cx="5755901" cy="1022429"/>
+          </a:xfrm>
+          <a:prstGeom prst="rect">
+            <a:avLst/>
+          </a:prstGeom>
+        </p:spPr>
+      </p:pic>
+      <p:pic>
+        <p:nvPicPr>
+          <p:cNvPr id="6" name="图片 5">
+            <a:extLst>
+              <a:ext uri="{FF2B5EF4-FFF2-40B4-BE49-F238E27FC236}">
+                <a16:creationId xmlns:a16="http://schemas.microsoft.com/office/drawing/2014/main" id="{9E4DBCED-2B00-99BA-0AC8-88E96ED30539}"/>
+              </a:ext>
+            </a:extLst>
+          </p:cNvPr>
+          <p:cNvPicPr>
+            <a:picLocks noChangeAspect="1"/>
+          </p:cNvPicPr>
+          <p:nvPr/>
+        </p:nvPicPr>
+        <p:blipFill>
+          <a:blip r:embed="rId4"/>
+          <a:stretch>
+            <a:fillRect/>
+          </a:stretch>
+        </p:blipFill>
+        <p:spPr>
+          <a:xfrm>
+            <a:off x="3377516" y="2355011"/>
+            <a:ext cx="5436967" cy="1019431"/>
+          </a:xfrm>
+          <a:prstGeom prst="rect">
+            <a:avLst/>
+          </a:prstGeom>
+        </p:spPr>
+      </p:pic>
+      <p:pic>
+        <p:nvPicPr>
+          <p:cNvPr id="9" name="图片 8">
+            <a:extLst>
+              <a:ext uri="{FF2B5EF4-FFF2-40B4-BE49-F238E27FC236}">
+                <a16:creationId xmlns:a16="http://schemas.microsoft.com/office/drawing/2014/main" id="{716A7519-B001-698B-B23D-D684656F38F0}"/>
+              </a:ext>
+            </a:extLst>
+          </p:cNvPr>
+          <p:cNvPicPr>
+            <a:picLocks noChangeAspect="1"/>
+          </p:cNvPicPr>
+          <p:nvPr/>
+        </p:nvPicPr>
+        <p:blipFill>
+          <a:blip r:embed="rId5"/>
+          <a:stretch>
+            <a:fillRect/>
+          </a:stretch>
+        </p:blipFill>
+        <p:spPr>
+          <a:xfrm>
+            <a:off x="2722153" y="3722937"/>
+            <a:ext cx="6747693" cy="860145"/>
+          </a:xfrm>
+          <a:prstGeom prst="rect">
+            <a:avLst/>
+          </a:prstGeom>
+        </p:spPr>
+      </p:pic>
+      <p:pic>
+        <p:nvPicPr>
+          <p:cNvPr id="11" name="图片 10">
+            <a:extLst>
+              <a:ext uri="{FF2B5EF4-FFF2-40B4-BE49-F238E27FC236}">
+                <a16:creationId xmlns:a16="http://schemas.microsoft.com/office/drawing/2014/main" id="{818EE705-EDED-96DC-2EB3-16221C69C1EA}"/>
+              </a:ext>
+            </a:extLst>
+          </p:cNvPr>
+          <p:cNvPicPr>
+            <a:picLocks noChangeAspect="1"/>
+          </p:cNvPicPr>
+          <p:nvPr/>
+        </p:nvPicPr>
+        <p:blipFill>
+          <a:blip r:embed="rId6"/>
+          <a:stretch>
+            <a:fillRect/>
+          </a:stretch>
+        </p:blipFill>
+        <p:spPr>
+          <a:xfrm>
+            <a:off x="4034455" y="4931577"/>
+            <a:ext cx="4115157" cy="723963"/>
+          </a:xfrm>
+          <a:prstGeom prst="rect">
+            <a:avLst/>
+          </a:prstGeom>
+        </p:spPr>
+      </p:pic>
+    </p:spTree>
+    <p:extLst>
+      <p:ext uri="{BB962C8B-B14F-4D97-AF65-F5344CB8AC3E}">
+        <p14:creationId xmlns:p14="http://schemas.microsoft.com/office/powerpoint/2010/main" val="2430683367"/>
+      </p:ext>
+    </p:extLst>
+  </p:cSld>
+  <p:clrMapOvr>
+    <a:masterClrMapping/>
+  </p:clrMapOvr>
+</p:sld>
+</file>
+
+<file path=ppt/slides/slide7.xml><?xml version="1.0" encoding="utf-8"?>
+<p:sld xmlns:a="http://schemas.openxmlformats.org/drawingml/2006/main" xmlns:r="http://schemas.openxmlformats.org/officeDocument/2006/relationships" xmlns:p="http://schemas.openxmlformats.org/presentationml/2006/main">
+  <p:cSld>
+    <p:spTree>
+      <p:nvGrpSpPr>
+        <p:cNvPr id="1" name=""/>
+        <p:cNvGrpSpPr/>
+        <p:nvPr/>
+      </p:nvGrpSpPr>
+      <p:grpSpPr>
+        <a:xfrm>
+          <a:off x="0" y="0"/>
+          <a:ext cx="0" cy="0"/>
+          <a:chOff x="0" y="0"/>
+          <a:chExt cx="0" cy="0"/>
+        </a:xfrm>
+      </p:grpSpPr>
+      <p:sp>
+        <p:nvSpPr>
+          <p:cNvPr id="21" name="标题 20">
+            <a:extLst>
+              <a:ext uri="{FF2B5EF4-FFF2-40B4-BE49-F238E27FC236}">
+                <a16:creationId xmlns:a16="http://schemas.microsoft.com/office/drawing/2014/main" id="{2627AE97-340B-E245-B9C6-A4E8743E1340}"/>
+              </a:ext>
+            </a:extLst>
+          </p:cNvPr>
+          <p:cNvSpPr>
+            <a:spLocks noGrp="1"/>
+          </p:cNvSpPr>
+          <p:nvPr>
+            <p:ph type="title"/>
+          </p:nvPr>
+        </p:nvSpPr>
+        <p:spPr>
+          <a:xfrm>
+            <a:off x="830269" y="131399"/>
+            <a:ext cx="10523531" cy="583800"/>
+          </a:xfrm>
+        </p:spPr>
+        <p:txBody>
+          <a:bodyPr rtlCol="0"/>
+          <a:lstStyle/>
+          <a:p>
+            <a:pPr rtl="0"/>
+            <a:r>
+              <a:rPr lang="en-US" altLang="zh-CN" dirty="0"/>
+              <a:t>Result</a:t>
+            </a:r>
+            <a:endParaRPr lang="zh-cn" dirty="0"/>
+          </a:p>
+        </p:txBody>
+      </p:sp>
+      <p:pic>
+        <p:nvPicPr>
+          <p:cNvPr id="3" name="图片 2">
+            <a:extLst>
+              <a:ext uri="{FF2B5EF4-FFF2-40B4-BE49-F238E27FC236}">
+                <a16:creationId xmlns:a16="http://schemas.microsoft.com/office/drawing/2014/main" id="{458DBDDE-63AC-F22C-EBF2-2D509277EB17}"/>
+              </a:ext>
+            </a:extLst>
+          </p:cNvPr>
+          <p:cNvPicPr>
+            <a:picLocks noChangeAspect="1"/>
+          </p:cNvPicPr>
+          <p:nvPr/>
+        </p:nvPicPr>
+        <p:blipFill>
+          <a:blip r:embed="rId3"/>
+          <a:stretch>
+            <a:fillRect/>
+          </a:stretch>
+        </p:blipFill>
+        <p:spPr>
+          <a:xfrm>
+            <a:off x="1523748" y="1568115"/>
+            <a:ext cx="4031329" cy="1127858"/>
+          </a:xfrm>
+          <a:prstGeom prst="rect">
+            <a:avLst/>
+          </a:prstGeom>
+        </p:spPr>
+      </p:pic>
+      <p:pic>
+        <p:nvPicPr>
+          <p:cNvPr id="7" name="图片 6">
+            <a:extLst>
+              <a:ext uri="{FF2B5EF4-FFF2-40B4-BE49-F238E27FC236}">
+                <a16:creationId xmlns:a16="http://schemas.microsoft.com/office/drawing/2014/main" id="{1A29ECF0-CD1B-A8BC-BAE7-E2E5BB5BED48}"/>
+              </a:ext>
+            </a:extLst>
+          </p:cNvPr>
+          <p:cNvPicPr>
+            <a:picLocks noChangeAspect="1"/>
+          </p:cNvPicPr>
+          <p:nvPr/>
+        </p:nvPicPr>
+        <p:blipFill>
+          <a:blip r:embed="rId4"/>
+          <a:stretch>
+            <a:fillRect/>
+          </a:stretch>
+        </p:blipFill>
+        <p:spPr>
+          <a:xfrm>
+            <a:off x="6180114" y="1568115"/>
+            <a:ext cx="3993226" cy="1066892"/>
+          </a:xfrm>
+          <a:prstGeom prst="rect">
+            <a:avLst/>
+          </a:prstGeom>
+        </p:spPr>
+      </p:pic>
+      <p:pic>
+        <p:nvPicPr>
+          <p:cNvPr id="10" name="图片 9">
+            <a:extLst>
+              <a:ext uri="{FF2B5EF4-FFF2-40B4-BE49-F238E27FC236}">
+                <a16:creationId xmlns:a16="http://schemas.microsoft.com/office/drawing/2014/main" id="{7026290B-E98E-A433-87CB-F58B666E2129}"/>
+              </a:ext>
+            </a:extLst>
+          </p:cNvPr>
+          <p:cNvPicPr>
+            <a:picLocks noChangeAspect="1"/>
+          </p:cNvPicPr>
+          <p:nvPr/>
+        </p:nvPicPr>
+        <p:blipFill>
+          <a:blip r:embed="rId5"/>
+          <a:stretch>
+            <a:fillRect/>
+          </a:stretch>
+        </p:blipFill>
+        <p:spPr>
+          <a:xfrm>
+            <a:off x="4087956" y="3826515"/>
+            <a:ext cx="4016088" cy="1089754"/>
+          </a:xfrm>
+          <a:prstGeom prst="rect">
+            <a:avLst/>
+          </a:prstGeom>
+        </p:spPr>
+      </p:pic>
+      <p:sp>
+        <p:nvSpPr>
+          <p:cNvPr id="12" name="文本框 11">
+            <a:extLst>
+              <a:ext uri="{FF2B5EF4-FFF2-40B4-BE49-F238E27FC236}">
+                <a16:creationId xmlns:a16="http://schemas.microsoft.com/office/drawing/2014/main" id="{41D30EA3-0F66-9950-36B1-2D2B5FDC98D1}"/>
+              </a:ext>
+            </a:extLst>
+          </p:cNvPr>
+          <p:cNvSpPr txBox="1"/>
+          <p:nvPr/>
+        </p:nvSpPr>
+        <p:spPr>
+          <a:xfrm>
+            <a:off x="2920482" y="5607698"/>
+            <a:ext cx="5183562" cy="369332"/>
+          </a:xfrm>
+          <a:prstGeom prst="rect">
+            <a:avLst/>
+          </a:prstGeom>
+          <a:noFill/>
+        </p:spPr>
+        <p:txBody>
+          <a:bodyPr wrap="square" rtlCol="0">
+            <a:spAutoFit/>
+          </a:bodyPr>
+          <a:lstStyle/>
+          <a:p>
+            <a:r>
+              <a:rPr lang="zh-CN" altLang="en-US" dirty="0">
+                <a:solidFill>
+                  <a:schemeClr val="bg1"/>
+                </a:solidFill>
+                <a:latin typeface="+mj-lt"/>
+              </a:rPr>
+              <a:t>当样本平衡时，数据量越大，模型性能越佳</a:t>
+            </a:r>
+          </a:p>
+        </p:txBody>
+      </p:sp>
+    </p:spTree>
+    <p:extLst>
+      <p:ext uri="{BB962C8B-B14F-4D97-AF65-F5344CB8AC3E}">
+        <p14:creationId xmlns:p14="http://schemas.microsoft.com/office/powerpoint/2010/main" val="3301677285"/>
+      </p:ext>
+    </p:extLst>
+  </p:cSld>
+  <p:clrMapOvr>
+    <a:masterClrMapping/>
+  </p:clrMapOvr>
+</p:sld>
+</file>
+
+<file path=ppt/slides/slide8.xml><?xml version="1.0" encoding="utf-8"?>
+<p:sld xmlns:a="http://schemas.openxmlformats.org/drawingml/2006/main" xmlns:r="http://schemas.openxmlformats.org/officeDocument/2006/relationships" xmlns:p="http://schemas.openxmlformats.org/presentationml/2006/main">
+  <p:cSld>
+    <p:spTree>
+      <p:nvGrpSpPr>
+        <p:cNvPr id="1" name=""/>
+        <p:cNvGrpSpPr/>
+        <p:nvPr/>
+      </p:nvGrpSpPr>
+      <p:grpSpPr>
+        <a:xfrm>
+          <a:off x="0" y="0"/>
+          <a:ext cx="0" cy="0"/>
+          <a:chOff x="0" y="0"/>
+          <a:chExt cx="0" cy="0"/>
+        </a:xfrm>
+      </p:grpSpPr>
+      <p:sp>
+        <p:nvSpPr>
+          <p:cNvPr id="21" name="标题 20">
+            <a:extLst>
+              <a:ext uri="{FF2B5EF4-FFF2-40B4-BE49-F238E27FC236}">
+                <a16:creationId xmlns:a16="http://schemas.microsoft.com/office/drawing/2014/main" id="{2627AE97-340B-E245-B9C6-A4E8743E1340}"/>
+              </a:ext>
+            </a:extLst>
+          </p:cNvPr>
+          <p:cNvSpPr>
+            <a:spLocks noGrp="1"/>
+          </p:cNvSpPr>
+          <p:nvPr>
+            <p:ph type="title"/>
+          </p:nvPr>
+        </p:nvSpPr>
+        <p:spPr>
+          <a:xfrm>
+            <a:off x="830269" y="131399"/>
+            <a:ext cx="10523531" cy="583800"/>
+          </a:xfrm>
+        </p:spPr>
+        <p:txBody>
+          <a:bodyPr rtlCol="0"/>
+          <a:lstStyle/>
+          <a:p>
+            <a:pPr rtl="0"/>
+            <a:r>
+              <a:rPr lang="en-US" altLang="zh-CN" dirty="0"/>
+              <a:t>Result</a:t>
+            </a:r>
+            <a:endParaRPr lang="zh-cn" dirty="0"/>
+          </a:p>
+        </p:txBody>
+      </p:sp>
+      <p:pic>
+        <p:nvPicPr>
+          <p:cNvPr id="6" name="图片 5">
+            <a:extLst>
+              <a:ext uri="{FF2B5EF4-FFF2-40B4-BE49-F238E27FC236}">
+                <a16:creationId xmlns:a16="http://schemas.microsoft.com/office/drawing/2014/main" id="{625A9490-3261-6C38-1F04-867759248741}"/>
+              </a:ext>
+            </a:extLst>
+          </p:cNvPr>
+          <p:cNvPicPr>
+            <a:picLocks noChangeAspect="1"/>
+          </p:cNvPicPr>
+          <p:nvPr/>
+        </p:nvPicPr>
+        <p:blipFill>
+          <a:blip r:embed="rId3"/>
+          <a:stretch>
+            <a:fillRect/>
+          </a:stretch>
+        </p:blipFill>
+        <p:spPr>
+          <a:xfrm>
+            <a:off x="6334630" y="1438416"/>
+            <a:ext cx="3947502" cy="1478408"/>
+          </a:xfrm>
+          <a:prstGeom prst="rect">
+            <a:avLst/>
+          </a:prstGeom>
+        </p:spPr>
+      </p:pic>
+      <p:pic>
+        <p:nvPicPr>
+          <p:cNvPr id="11" name="图片 10">
+            <a:extLst>
+              <a:ext uri="{FF2B5EF4-FFF2-40B4-BE49-F238E27FC236}">
+                <a16:creationId xmlns:a16="http://schemas.microsoft.com/office/drawing/2014/main" id="{F8511C54-99A6-2625-77D7-98E77AEFCC07}"/>
+              </a:ext>
+            </a:extLst>
+          </p:cNvPr>
+          <p:cNvPicPr>
+            <a:picLocks noChangeAspect="1"/>
+          </p:cNvPicPr>
+          <p:nvPr/>
+        </p:nvPicPr>
+        <p:blipFill>
+          <a:blip r:embed="rId4"/>
+          <a:stretch>
+            <a:fillRect/>
+          </a:stretch>
+        </p:blipFill>
+        <p:spPr>
+          <a:xfrm>
+            <a:off x="1541871" y="1438416"/>
+            <a:ext cx="3901778" cy="1554615"/>
+          </a:xfrm>
+          <a:prstGeom prst="rect">
+            <a:avLst/>
+          </a:prstGeom>
+        </p:spPr>
+      </p:pic>
+      <p:pic>
+        <p:nvPicPr>
+          <p:cNvPr id="13" name="图片 12">
+            <a:extLst>
+              <a:ext uri="{FF2B5EF4-FFF2-40B4-BE49-F238E27FC236}">
+                <a16:creationId xmlns:a16="http://schemas.microsoft.com/office/drawing/2014/main" id="{D8A1F726-E6BC-85B9-D8F5-12FB68996614}"/>
+              </a:ext>
+            </a:extLst>
+          </p:cNvPr>
+          <p:cNvPicPr>
+            <a:picLocks noChangeAspect="1"/>
+          </p:cNvPicPr>
+          <p:nvPr/>
+        </p:nvPicPr>
+        <p:blipFill>
+          <a:blip r:embed="rId5"/>
+          <a:stretch>
+            <a:fillRect/>
+          </a:stretch>
+        </p:blipFill>
+        <p:spPr>
+          <a:xfrm>
+            <a:off x="4126059" y="4156773"/>
+            <a:ext cx="3939881" cy="1455546"/>
+          </a:xfrm>
+          <a:prstGeom prst="rect">
+            <a:avLst/>
+          </a:prstGeom>
+        </p:spPr>
+      </p:pic>
+    </p:spTree>
+    <p:extLst>
+      <p:ext uri="{BB962C8B-B14F-4D97-AF65-F5344CB8AC3E}">
+        <p14:creationId xmlns:p14="http://schemas.microsoft.com/office/powerpoint/2010/main" val="2203758039"/>
+      </p:ext>
+    </p:extLst>
+  </p:cSld>
+  <p:clrMapOvr>
+    <a:masterClrMapping/>
+  </p:clrMapOvr>
+</p:sld>
+</file>
+
+<file path=ppt/slides/slide9.xml><?xml version="1.0" encoding="utf-8"?>
+<p:sld xmlns:a="http://schemas.openxmlformats.org/drawingml/2006/main" xmlns:r="http://schemas.openxmlformats.org/officeDocument/2006/relationships" xmlns:p="http://schemas.openxmlformats.org/presentationml/2006/main">
+  <p:cSld>
+    <p:spTree>
+      <p:nvGrpSpPr>
+        <p:cNvPr id="1" name=""/>
+        <p:cNvGrpSpPr/>
+        <p:nvPr/>
+      </p:nvGrpSpPr>
+      <p:grpSpPr>
+        <a:xfrm>
+          <a:off x="0" y="0"/>
+          <a:ext cx="0" cy="0"/>
+          <a:chOff x="0" y="0"/>
+          <a:chExt cx="0" cy="0"/>
+        </a:xfrm>
+      </p:grpSpPr>
+      <p:sp>
+        <p:nvSpPr>
+          <p:cNvPr id="21" name="标题 20">
+            <a:extLst>
+              <a:ext uri="{FF2B5EF4-FFF2-40B4-BE49-F238E27FC236}">
+                <a16:creationId xmlns:a16="http://schemas.microsoft.com/office/drawing/2014/main" id="{2627AE97-340B-E245-B9C6-A4E8743E1340}"/>
+              </a:ext>
+            </a:extLst>
+          </p:cNvPr>
+          <p:cNvSpPr>
+            <a:spLocks noGrp="1"/>
+          </p:cNvSpPr>
+          <p:nvPr>
+            <p:ph type="title"/>
+          </p:nvPr>
+        </p:nvSpPr>
+        <p:spPr>
+          <a:xfrm>
+            <a:off x="830269" y="131399"/>
+            <a:ext cx="10523531" cy="583800"/>
+          </a:xfrm>
+        </p:spPr>
+        <p:txBody>
+          <a:bodyPr rtlCol="0"/>
+          <a:lstStyle/>
+          <a:p>
+            <a:pPr rtl="0"/>
+            <a:r>
+              <a:rPr lang="en-US" altLang="zh-CN" dirty="0"/>
+              <a:t>Result</a:t>
+            </a:r>
+            <a:endParaRPr lang="zh-cn" dirty="0"/>
+          </a:p>
+        </p:txBody>
+      </p:sp>
+      <p:pic>
+        <p:nvPicPr>
+          <p:cNvPr id="6" name="图片 5">
+            <a:extLst>
+              <a:ext uri="{FF2B5EF4-FFF2-40B4-BE49-F238E27FC236}">
+                <a16:creationId xmlns:a16="http://schemas.microsoft.com/office/drawing/2014/main" id="{625A9490-3261-6C38-1F04-867759248741}"/>
+              </a:ext>
+            </a:extLst>
+          </p:cNvPr>
+          <p:cNvPicPr>
+            <a:picLocks noChangeAspect="1"/>
+          </p:cNvPicPr>
+          <p:nvPr/>
+        </p:nvPicPr>
+        <p:blipFill>
+          <a:blip r:embed="rId3"/>
+          <a:stretch>
+            <a:fillRect/>
+          </a:stretch>
+        </p:blipFill>
+        <p:spPr>
+          <a:xfrm>
+            <a:off x="6334630" y="1438416"/>
+            <a:ext cx="3947502" cy="1478408"/>
+          </a:xfrm>
+          <a:prstGeom prst="rect">
+            <a:avLst/>
+          </a:prstGeom>
+        </p:spPr>
+      </p:pic>
+      <p:pic>
+        <p:nvPicPr>
+          <p:cNvPr id="11" name="图片 10">
+            <a:extLst>
+              <a:ext uri="{FF2B5EF4-FFF2-40B4-BE49-F238E27FC236}">
+                <a16:creationId xmlns:a16="http://schemas.microsoft.com/office/drawing/2014/main" id="{F8511C54-99A6-2625-77D7-98E77AEFCC07}"/>
+              </a:ext>
+            </a:extLst>
+          </p:cNvPr>
+          <p:cNvPicPr>
+            <a:picLocks noChangeAspect="1"/>
+          </p:cNvPicPr>
+          <p:nvPr/>
+        </p:nvPicPr>
+        <p:blipFill>
+          <a:blip r:embed="rId4"/>
+          <a:stretch>
+            <a:fillRect/>
+          </a:stretch>
+        </p:blipFill>
+        <p:spPr>
+          <a:xfrm>
+            <a:off x="1541871" y="1438416"/>
+            <a:ext cx="3901778" cy="1554615"/>
+          </a:xfrm>
+          <a:prstGeom prst="rect">
+            <a:avLst/>
+          </a:prstGeom>
+        </p:spPr>
+      </p:pic>
+      <p:pic>
+        <p:nvPicPr>
+          <p:cNvPr id="13" name="图片 12">
+            <a:extLst>
+              <a:ext uri="{FF2B5EF4-FFF2-40B4-BE49-F238E27FC236}">
+                <a16:creationId xmlns:a16="http://schemas.microsoft.com/office/drawing/2014/main" id="{D8A1F726-E6BC-85B9-D8F5-12FB68996614}"/>
+              </a:ext>
+            </a:extLst>
+          </p:cNvPr>
+          <p:cNvPicPr>
+            <a:picLocks noChangeAspect="1"/>
+          </p:cNvPicPr>
+          <p:nvPr/>
+        </p:nvPicPr>
+        <p:blipFill>
+          <a:blip r:embed="rId5"/>
+          <a:stretch>
+            <a:fillRect/>
+          </a:stretch>
+        </p:blipFill>
+        <p:spPr>
+          <a:xfrm>
+            <a:off x="4126059" y="4156773"/>
+            <a:ext cx="3939881" cy="1455546"/>
+          </a:xfrm>
+          <a:prstGeom prst="rect">
+            <a:avLst/>
+          </a:prstGeom>
+        </p:spPr>
+      </p:pic>
+    </p:spTree>
+    <p:extLst>
+      <p:ext uri="{BB962C8B-B14F-4D97-AF65-F5344CB8AC3E}">
+        <p14:creationId xmlns:p14="http://schemas.microsoft.com/office/powerpoint/2010/main" val="2992248289"/>
       </p:ext>
     </p:extLst>
   </p:cSld>

--- a/study/组会/2023-04-10/jt_report_2023_04_10.pptx
+++ b/study/组会/2023-04-10/jt_report_2023_04_10.pptx
@@ -232,7 +232,7 @@
                 <a:latin typeface="Microsoft YaHei UI" panose="020B0503020204020204" pitchFamily="34" charset="-122"/>
                 <a:ea typeface="Microsoft YaHei UI" panose="020B0503020204020204" pitchFamily="34" charset="-122"/>
               </a:rPr>
-              <a:t>2023/4/9</a:t>
+              <a:t>2023/4/10</a:t>
             </a:fld>
             <a:endParaRPr lang="en-US" dirty="0">
               <a:latin typeface="Microsoft YaHei UI" panose="020B0503020204020204" pitchFamily="34" charset="-122"/>
@@ -431,7 +431,7 @@
             <a:fld id="{6FD5A201-0B0D-4CCB-9C28-D2F53C468246}" type="datetime1">
               <a:rPr lang="zh-CN" altLang="en-US" smtClean="0"/>
               <a:pPr/>
-              <a:t>2023/4/9</a:t>
+              <a:t>2023/4/10</a:t>
             </a:fld>
             <a:endParaRPr lang="en-US" dirty="0"/>
           </a:p>
@@ -803,7 +803,7 @@
           <a:p>
             <a:fld id="{473086D0-30B4-4B2E-BB0E-B872D37022FE}" type="datetime1">
               <a:rPr lang="zh-CN" altLang="en-US" smtClean="0"/>
-              <a:t>2023/4/9</a:t>
+              <a:t>2023/4/10</a:t>
             </a:fld>
             <a:endParaRPr lang="en-US" dirty="0"/>
           </a:p>
@@ -1033,7 +1033,7 @@
           <a:p>
             <a:fld id="{B5B18847-4CD3-49FE-BA07-350C86E2617A}" type="datetime1">
               <a:rPr lang="zh-CN" altLang="en-US" smtClean="0"/>
-              <a:t>2023/4/9</a:t>
+              <a:t>2023/4/10</a:t>
             </a:fld>
             <a:endParaRPr lang="en-US" dirty="0"/>
           </a:p>
@@ -1148,7 +1148,7 @@
           <a:p>
             <a:fld id="{B5B18847-4CD3-49FE-BA07-350C86E2617A}" type="datetime1">
               <a:rPr lang="zh-CN" altLang="en-US" smtClean="0"/>
-              <a:t>2023/4/9</a:t>
+              <a:t>2023/4/10</a:t>
             </a:fld>
             <a:endParaRPr lang="en-US" dirty="0"/>
           </a:p>
@@ -1378,7 +1378,7 @@
           <a:p>
             <a:fld id="{B5B18847-4CD3-49FE-BA07-350C86E2617A}" type="datetime1">
               <a:rPr lang="zh-CN" altLang="en-US" smtClean="0"/>
-              <a:t>2023/4/9</a:t>
+              <a:t>2023/4/10</a:t>
             </a:fld>
             <a:endParaRPr lang="en-US" dirty="0"/>
           </a:p>
@@ -3335,7 +3335,7 @@
           <a:p>
             <a:fld id="{38694834-4BF3-4FD9-A1A6-0F4CE7DCB47F}" type="datetime1">
               <a:rPr lang="zh-CN" altLang="en-US" smtClean="0"/>
-              <a:t>2023/4/9</a:t>
+              <a:t>2023/4/10</a:t>
             </a:fld>
             <a:endParaRPr lang="en-US" dirty="0"/>
           </a:p>
@@ -4121,7 +4121,7 @@
           <a:p>
             <a:fld id="{D840EA0E-60A4-4F09-AB2C-5928C6CC368F}" type="datetime1">
               <a:rPr lang="zh-CN" altLang="en-US" smtClean="0"/>
-              <a:t>2023/4/9</a:t>
+              <a:t>2023/4/10</a:t>
             </a:fld>
             <a:endParaRPr lang="en-US" dirty="0"/>
           </a:p>
@@ -4542,7 +4542,7 @@
           <a:p>
             <a:fld id="{29DFF25C-9262-44CA-B6E7-8886FDFBBD68}" type="datetime1">
               <a:rPr lang="zh-CN" altLang="en-US" smtClean="0"/>
-              <a:t>2023/4/9</a:t>
+              <a:t>2023/4/10</a:t>
             </a:fld>
             <a:endParaRPr lang="en-US" dirty="0"/>
           </a:p>
@@ -4838,7 +4838,7 @@
           <a:p>
             <a:fld id="{1EF7A11B-372A-4ECF-86F3-8C7E80DAFE4B}" type="datetime1">
               <a:rPr lang="zh-CN" altLang="en-US" smtClean="0"/>
-              <a:t>2023/4/9</a:t>
+              <a:t>2023/4/10</a:t>
             </a:fld>
             <a:endParaRPr lang="en-US" dirty="0"/>
           </a:p>
@@ -6667,7 +6667,7 @@
         </p:blipFill>
         <p:spPr>
           <a:xfrm>
-            <a:off x="4087956" y="3826515"/>
+            <a:off x="1649556" y="3855909"/>
             <a:ext cx="4016088" cy="1089754"/>
           </a:xfrm>
           <a:prstGeom prst="rect">
@@ -6715,6 +6715,36 @@
           </a:p>
         </p:txBody>
       </p:sp>
+      <p:pic>
+        <p:nvPicPr>
+          <p:cNvPr id="4" name="图片 3">
+            <a:extLst>
+              <a:ext uri="{FF2B5EF4-FFF2-40B4-BE49-F238E27FC236}">
+                <a16:creationId xmlns:a16="http://schemas.microsoft.com/office/drawing/2014/main" id="{1204DDAA-A9B8-FA96-049C-8E5F1CEDA7D2}"/>
+              </a:ext>
+            </a:extLst>
+          </p:cNvPr>
+          <p:cNvPicPr>
+            <a:picLocks noChangeAspect="1"/>
+          </p:cNvPicPr>
+          <p:nvPr/>
+        </p:nvPicPr>
+        <p:blipFill>
+          <a:blip r:embed="rId6"/>
+          <a:stretch>
+            <a:fillRect/>
+          </a:stretch>
+        </p:blipFill>
+        <p:spPr>
+          <a:xfrm>
+            <a:off x="6096000" y="2984899"/>
+            <a:ext cx="5600000" cy="2476190"/>
+          </a:xfrm>
+          <a:prstGeom prst="rect">
+            <a:avLst/>
+          </a:prstGeom>
+        </p:spPr>
+      </p:pic>
     </p:spTree>
     <p:extLst>
       <p:ext uri="{BB962C8B-B14F-4D97-AF65-F5344CB8AC3E}">
